--- a/Medieninformatik 1/temp/MI1-8--12.12.2019.pptx
+++ b/Medieninformatik 1/temp/MI1-8--12.12.2019.pptx
@@ -7,12 +7,13 @@
   <p:sldIdLst>
     <p:sldId id="256" r:id="rId3"/>
     <p:sldId id="257" r:id="rId4"/>
-    <p:sldId id="258" r:id="rId5"/>
-    <p:sldId id="259" r:id="rId6"/>
-    <p:sldId id="260" r:id="rId7"/>
-    <p:sldId id="261" r:id="rId8"/>
+    <p:sldId id="259" r:id="rId5"/>
+    <p:sldId id="260" r:id="rId6"/>
+    <p:sldId id="261" r:id="rId7"/>
+    <p:sldId id="263" r:id="rId8"/>
     <p:sldId id="262" r:id="rId9"/>
-    <p:sldId id="263" r:id="rId10"/>
+    <p:sldId id="258" r:id="rId10"/>
+    <p:sldId id="264" r:id="rId11"/>
   </p:sldIdLst>
   <p:sldSz cx="12192000" cy="6858000"/>
   <p:notesSz cx="7103745" cy="10234295"/>
@@ -3561,12 +3562,12 @@
           <a:p>
             <a:r>
               <a:rPr lang="en-US">
-                <a:hlinkClick r:id="rId1" tooltip="" action="ppaction://hlinkfile"/>
+                <a:hlinkClick r:id="rId1" action="ppaction://hlinkfile"/>
               </a:rPr>
               <a:t>Click Me</a:t>
             </a:r>
             <a:endParaRPr lang="en-US">
-              <a:hlinkClick r:id="rId1" tooltip="" action="ppaction://hlinkfile"/>
+              <a:hlinkClick r:id="rId1" action="ppaction://hlinkfile"/>
             </a:endParaRPr>
           </a:p>
           <a:p>
@@ -3675,7 +3676,7 @@
           <a:p>
             <a:r>
               <a:rPr lang="en-US"/>
-              <a:t>Aufgabe</a:t>
+              <a:t>Getting Started</a:t>
             </a:r>
             <a:endParaRPr lang="en-US"/>
           </a:p>
@@ -3695,46 +3696,19 @@
         <p:txBody>
           <a:bodyPr/>
           <a:p>
-            <a:r>
-              <a:rPr lang="en-US"/>
-              <a:t>Den Golfer auf den Mond packen</a:t>
-            </a:r>
-            <a:endParaRPr lang="en-US"/>
-          </a:p>
-          <a:p>
-            <a:endParaRPr lang="en-US"/>
-          </a:p>
-          <a:p>
-            <a:endParaRPr lang="en-US"/>
-          </a:p>
-          <a:p>
-            <a:endParaRPr lang="en-US"/>
-          </a:p>
-          <a:p>
-            <a:endParaRPr lang="en-US"/>
-          </a:p>
-          <a:p>
-            <a:endParaRPr lang="en-US"/>
-          </a:p>
-          <a:p>
-            <a:endParaRPr lang="en-US"/>
-          </a:p>
-          <a:p>
-            <a:r>
-              <a:rPr lang="en-US"/>
-              <a:t>Files befinden sich auf StudIP unter Tutorien(zentrale Materialien) </a:t>
-            </a:r>
             <a:endParaRPr lang="en-US"/>
           </a:p>
         </p:txBody>
       </p:sp>
       <p:pic>
         <p:nvPicPr>
-          <p:cNvPr id="5" name="Picture 4" descr="gimp3"/>
+          <p:cNvPr id="4" name="Content Placeholder 3" descr="gimp1"/>
           <p:cNvPicPr>
             <a:picLocks noChangeAspect="1"/>
           </p:cNvPicPr>
-          <p:nvPr/>
+          <p:nvPr>
+            <p:ph sz="half" idx="2"/>
+          </p:nvPr>
         </p:nvPicPr>
         <p:blipFill>
           <a:blip r:embed="rId1"/>
@@ -3744,14 +3718,133 @@
         </p:blipFill>
         <p:spPr>
           <a:xfrm>
-            <a:off x="3996690" y="1683385"/>
-            <a:ext cx="4198620" cy="3491230"/>
+            <a:off x="-346710" y="-10160"/>
+            <a:ext cx="12886055" cy="6878955"/>
           </a:xfrm>
           <a:prstGeom prst="rect">
             <a:avLst/>
           </a:prstGeom>
         </p:spPr>
       </p:pic>
+      <p:sp>
+        <p:nvSpPr>
+          <p:cNvPr id="5" name="Text Box 4"/>
+          <p:cNvSpPr txBox="1"/>
+          <p:nvPr/>
+        </p:nvSpPr>
+        <p:spPr>
+          <a:xfrm>
+            <a:off x="877570" y="190500"/>
+            <a:ext cx="3038475" cy="521970"/>
+          </a:xfrm>
+          <a:prstGeom prst="rect">
+            <a:avLst/>
+          </a:prstGeom>
+          <a:noFill/>
+        </p:spPr>
+        <p:txBody>
+          <a:bodyPr wrap="square" rtlCol="0">
+            <a:spAutoFit/>
+          </a:bodyPr>
+          <a:p>
+            <a:r>
+              <a:rPr lang="en-US" sz="2800" b="1">
+                <a:solidFill>
+                  <a:schemeClr val="bg1"/>
+                </a:solidFill>
+              </a:rPr>
+              <a:t>&lt; Toolbox</a:t>
+            </a:r>
+            <a:endParaRPr lang="en-US" sz="2800" b="1">
+              <a:solidFill>
+                <a:schemeClr val="bg1"/>
+              </a:solidFill>
+            </a:endParaRPr>
+          </a:p>
+        </p:txBody>
+      </p:sp>
+      <p:sp>
+        <p:nvSpPr>
+          <p:cNvPr id="6" name="Text Box 5"/>
+          <p:cNvSpPr txBox="1"/>
+          <p:nvPr/>
+        </p:nvSpPr>
+        <p:spPr>
+          <a:xfrm>
+            <a:off x="8594725" y="3858260"/>
+            <a:ext cx="2555875" cy="645160"/>
+          </a:xfrm>
+          <a:prstGeom prst="rect">
+            <a:avLst/>
+          </a:prstGeom>
+          <a:noFill/>
+        </p:spPr>
+        <p:txBody>
+          <a:bodyPr wrap="square" rtlCol="0">
+            <a:spAutoFit/>
+          </a:bodyPr>
+          <a:p>
+            <a:r>
+              <a:rPr lang="en-US" b="1">
+                <a:solidFill>
+                  <a:schemeClr val="bg1"/>
+                </a:solidFill>
+              </a:rPr>
+              <a:t>Oberfl</a:t>
+            </a:r>
+            <a:r>
+              <a:rPr lang="de-DE" altLang="en-US" b="1">
+                <a:solidFill>
+                  <a:schemeClr val="bg1"/>
+                </a:solidFill>
+              </a:rPr>
+              <a:t>ächenübersicht (Layers)  &gt;&gt;&gt;&gt;&gt;</a:t>
+            </a:r>
+            <a:endParaRPr lang="de-DE" altLang="en-US" b="1">
+              <a:solidFill>
+                <a:schemeClr val="bg1"/>
+              </a:solidFill>
+            </a:endParaRPr>
+          </a:p>
+        </p:txBody>
+      </p:sp>
+      <p:sp>
+        <p:nvSpPr>
+          <p:cNvPr id="7" name="Text Box 6"/>
+          <p:cNvSpPr txBox="1"/>
+          <p:nvPr/>
+        </p:nvSpPr>
+        <p:spPr>
+          <a:xfrm>
+            <a:off x="4754880" y="2199005"/>
+            <a:ext cx="4793615" cy="1198880"/>
+          </a:xfrm>
+          <a:prstGeom prst="rect">
+            <a:avLst/>
+          </a:prstGeom>
+          <a:noFill/>
+        </p:spPr>
+        <p:txBody>
+          <a:bodyPr wrap="square" rtlCol="0">
+            <a:spAutoFit/>
+          </a:bodyPr>
+          <a:p>
+            <a:r>
+              <a:rPr lang="de-DE" altLang="en-US" sz="7200" b="1" u="sng">
+                <a:solidFill>
+                  <a:schemeClr val="bg1"/>
+                </a:solidFill>
+              </a:rPr>
+              <a:t>BILD</a:t>
+            </a:r>
+            <a:endParaRPr lang="de-DE" altLang="en-US" sz="7200" b="1" u="sng">
+              <a:solidFill>
+                <a:schemeClr val="bg1"/>
+              </a:solidFill>
+            </a:endParaRPr>
+          </a:p>
+        </p:txBody>
+      </p:sp>
     </p:spTree>
   </p:cSld>
   <p:clrMapOvr>
@@ -3785,213 +3878,10 @@
           <a:bodyPr/>
           <a:p>
             <a:r>
-              <a:rPr lang="en-US"/>
-              <a:t>Getting Started</a:t>
-            </a:r>
-            <a:endParaRPr lang="en-US"/>
-          </a:p>
-        </p:txBody>
-      </p:sp>
-      <p:sp>
-        <p:nvSpPr>
-          <p:cNvPr id="3" name="Content Placeholder 2"/>
-          <p:cNvSpPr>
-            <a:spLocks noGrp="1"/>
-          </p:cNvSpPr>
-          <p:nvPr>
-            <p:ph idx="1"/>
-          </p:nvPr>
-        </p:nvSpPr>
-        <p:spPr/>
-        <p:txBody>
-          <a:bodyPr/>
-          <a:p>
-            <a:endParaRPr lang="en-US"/>
-          </a:p>
-        </p:txBody>
-      </p:sp>
-      <p:pic>
-        <p:nvPicPr>
-          <p:cNvPr id="4" name="Content Placeholder 3" descr="gimp1"/>
-          <p:cNvPicPr>
-            <a:picLocks noChangeAspect="1"/>
-          </p:cNvPicPr>
-          <p:nvPr>
-            <p:ph sz="half" idx="2"/>
-          </p:nvPr>
-        </p:nvPicPr>
-        <p:blipFill>
-          <a:blip r:embed="rId1"/>
-          <a:stretch>
-            <a:fillRect/>
-          </a:stretch>
-        </p:blipFill>
-        <p:spPr>
-          <a:xfrm>
-            <a:off x="-346710" y="-10160"/>
-            <a:ext cx="12886055" cy="6878955"/>
-          </a:xfrm>
-          <a:prstGeom prst="rect">
-            <a:avLst/>
-          </a:prstGeom>
-        </p:spPr>
-      </p:pic>
-      <p:sp>
-        <p:nvSpPr>
-          <p:cNvPr id="5" name="Text Box 4"/>
-          <p:cNvSpPr txBox="1"/>
-          <p:nvPr/>
-        </p:nvSpPr>
-        <p:spPr>
-          <a:xfrm>
-            <a:off x="877570" y="190500"/>
-            <a:ext cx="3038475" cy="521970"/>
-          </a:xfrm>
-          <a:prstGeom prst="rect">
-            <a:avLst/>
-          </a:prstGeom>
-          <a:noFill/>
-        </p:spPr>
-        <p:txBody>
-          <a:bodyPr wrap="square" rtlCol="0">
-            <a:spAutoFit/>
-          </a:bodyPr>
-          <a:p>
-            <a:r>
-              <a:rPr lang="en-US" sz="2800" b="1">
-                <a:solidFill>
-                  <a:schemeClr val="bg1"/>
-                </a:solidFill>
-              </a:rPr>
-              <a:t>&lt; Toolbox</a:t>
-            </a:r>
-            <a:endParaRPr lang="en-US" sz="2800" b="1">
-              <a:solidFill>
-                <a:schemeClr val="bg1"/>
-              </a:solidFill>
-            </a:endParaRPr>
-          </a:p>
-        </p:txBody>
-      </p:sp>
-      <p:sp>
-        <p:nvSpPr>
-          <p:cNvPr id="6" name="Text Box 5"/>
-          <p:cNvSpPr txBox="1"/>
-          <p:nvPr/>
-        </p:nvSpPr>
-        <p:spPr>
-          <a:xfrm>
-            <a:off x="8594725" y="3858260"/>
-            <a:ext cx="2555875" cy="645160"/>
-          </a:xfrm>
-          <a:prstGeom prst="rect">
-            <a:avLst/>
-          </a:prstGeom>
-          <a:noFill/>
-        </p:spPr>
-        <p:txBody>
-          <a:bodyPr wrap="square" rtlCol="0">
-            <a:spAutoFit/>
-          </a:bodyPr>
-          <a:p>
-            <a:r>
-              <a:rPr lang="en-US" b="1">
-                <a:solidFill>
-                  <a:schemeClr val="bg1"/>
-                </a:solidFill>
-              </a:rPr>
-              <a:t>Oberfl</a:t>
-            </a:r>
-            <a:r>
-              <a:rPr lang="de-DE" altLang="en-US" b="1">
-                <a:solidFill>
-                  <a:schemeClr val="bg1"/>
-                </a:solidFill>
-              </a:rPr>
-              <a:t>ächenübersicht (Layers)  &gt;&gt;&gt;&gt;&gt;</a:t>
-            </a:r>
-            <a:endParaRPr lang="de-DE" altLang="en-US" b="1">
-              <a:solidFill>
-                <a:schemeClr val="bg1"/>
-              </a:solidFill>
-            </a:endParaRPr>
-          </a:p>
-        </p:txBody>
-      </p:sp>
-      <p:sp>
-        <p:nvSpPr>
-          <p:cNvPr id="7" name="Text Box 6"/>
-          <p:cNvSpPr txBox="1"/>
-          <p:nvPr/>
-        </p:nvSpPr>
-        <p:spPr>
-          <a:xfrm>
-            <a:off x="4754880" y="2199005"/>
-            <a:ext cx="4793615" cy="1198880"/>
-          </a:xfrm>
-          <a:prstGeom prst="rect">
-            <a:avLst/>
-          </a:prstGeom>
-          <a:noFill/>
-        </p:spPr>
-        <p:txBody>
-          <a:bodyPr wrap="square" rtlCol="0">
-            <a:spAutoFit/>
-          </a:bodyPr>
-          <a:p>
-            <a:r>
-              <a:rPr lang="de-DE" altLang="en-US" sz="7200" b="1" u="sng">
-                <a:solidFill>
-                  <a:schemeClr val="bg1"/>
-                </a:solidFill>
-              </a:rPr>
-              <a:t>BILD</a:t>
-            </a:r>
-            <a:endParaRPr lang="de-DE" altLang="en-US" sz="7200" b="1" u="sng">
-              <a:solidFill>
-                <a:schemeClr val="bg1"/>
-              </a:solidFill>
-            </a:endParaRPr>
-          </a:p>
-        </p:txBody>
-      </p:sp>
-    </p:spTree>
-  </p:cSld>
-  <p:clrMapOvr>
-    <a:masterClrMapping/>
-  </p:clrMapOvr>
-</p:sld>
-</file>
-
-<file path=ppt/slides/slide5.xml><?xml version="1.0" encoding="utf-8"?>
-<p:sld xmlns:a="http://schemas.openxmlformats.org/drawingml/2006/main" xmlns:r="http://schemas.openxmlformats.org/officeDocument/2006/relationships" xmlns:p="http://schemas.openxmlformats.org/presentationml/2006/main">
-  <p:cSld>
-    <p:spTree>
-      <p:nvGrpSpPr>
-        <p:cNvPr id="1" name=""/>
-        <p:cNvGrpSpPr/>
-        <p:nvPr/>
-      </p:nvGrpSpPr>
-      <p:grpSpPr/>
-      <p:sp>
-        <p:nvSpPr>
-          <p:cNvPr id="2" name="Title 1"/>
-          <p:cNvSpPr>
-            <a:spLocks noGrp="1"/>
-          </p:cNvSpPr>
-          <p:nvPr>
-            <p:ph type="title"/>
-          </p:nvPr>
-        </p:nvSpPr>
-        <p:spPr/>
-        <p:txBody>
-          <a:bodyPr/>
-          <a:p>
-            <a:r>
-              <a:rPr lang="de-DE" altLang="en-US"/>
+              <a:rPr lang="de-DE" altLang="en-US" b="1"/>
               <a:t>Nützliche Tools</a:t>
             </a:r>
-            <a:endParaRPr lang="de-DE" altLang="en-US"/>
+            <a:endParaRPr lang="de-DE" altLang="en-US" b="1"/>
           </a:p>
         </p:txBody>
       </p:sp>
@@ -4206,7 +4096,6 @@
             <a:pPr algn="ctr"/>
             <a:r>
               <a:rPr lang="de-DE" altLang="en-US" sz="7200" b="1">
-                <a:ln/>
                 <a:solidFill>
                   <a:schemeClr val="bg1"/>
                 </a:solidFill>
@@ -4221,7 +4110,6 @@
               <a:t>1</a:t>
             </a:r>
             <a:endParaRPr lang="de-DE" altLang="en-US" sz="7200" b="1">
-              <a:ln/>
               <a:solidFill>
                 <a:schemeClr val="bg1"/>
               </a:solidFill>
@@ -4409,7 +4297,7 @@
 </p:sld>
 </file>
 
-<file path=ppt/slides/slide6.xml><?xml version="1.0" encoding="utf-8"?>
+<file path=ppt/slides/slide5.xml><?xml version="1.0" encoding="utf-8"?>
 <p:sld xmlns:a="http://schemas.openxmlformats.org/drawingml/2006/main" xmlns:r="http://schemas.openxmlformats.org/officeDocument/2006/relationships" xmlns:p="http://schemas.openxmlformats.org/presentationml/2006/main">
   <p:cSld>
     <p:spTree>
@@ -4893,6 +4781,370 @@
               <a:t>Clone Tool (Sachen clonen - z.B. Schafe auf einem Deich durch Grass ersetzen welches um sie herum ist)</a:t>
             </a:r>
             <a:endParaRPr lang="de-DE" altLang="en-US" sz="2800"/>
+          </a:p>
+        </p:txBody>
+      </p:sp>
+    </p:spTree>
+  </p:cSld>
+  <p:clrMapOvr>
+    <a:masterClrMapping/>
+  </p:clrMapOvr>
+</p:sld>
+</file>
+
+<file path=ppt/slides/slide6.xml><?xml version="1.0" encoding="utf-8"?>
+<p:sld xmlns:a="http://schemas.openxmlformats.org/drawingml/2006/main" xmlns:r="http://schemas.openxmlformats.org/officeDocument/2006/relationships" xmlns:p="http://schemas.openxmlformats.org/presentationml/2006/main">
+  <p:cSld>
+    <p:spTree>
+      <p:nvGrpSpPr>
+        <p:cNvPr id="1" name=""/>
+        <p:cNvGrpSpPr/>
+        <p:nvPr/>
+      </p:nvGrpSpPr>
+      <p:grpSpPr/>
+      <p:sp>
+        <p:nvSpPr>
+          <p:cNvPr id="3" name="Content Placeholder 2"/>
+          <p:cNvSpPr>
+            <a:spLocks noGrp="1"/>
+          </p:cNvSpPr>
+          <p:nvPr>
+            <p:ph sz="half" idx="1"/>
+          </p:nvPr>
+        </p:nvSpPr>
+        <p:spPr>
+          <a:xfrm>
+            <a:off x="609600" y="1174750"/>
+            <a:ext cx="10972165" cy="4953000"/>
+          </a:xfrm>
+        </p:spPr>
+        <p:txBody>
+          <a:bodyPr/>
+          <a:p>
+            <a:pPr marL="514350" indent="-514350">
+              <a:buAutoNum type="arabicPeriod"/>
+            </a:pPr>
+            <a:r>
+              <a:rPr lang="de-DE" altLang="en-US"/>
+              <a:t>Crop Tool</a:t>
+            </a:r>
+            <a:endParaRPr lang="de-DE" altLang="en-US"/>
+          </a:p>
+          <a:p>
+            <a:pPr marL="514350" indent="-514350">
+              <a:buAutoNum type="arabicPeriod"/>
+            </a:pPr>
+            <a:endParaRPr lang="de-DE" altLang="en-US"/>
+          </a:p>
+          <a:p>
+            <a:pPr marL="514350" indent="-514350">
+              <a:buAutoNum type="arabicPeriod"/>
+            </a:pPr>
+            <a:r>
+              <a:rPr lang="de-DE" altLang="en-US"/>
+              <a:t>Resize Tool (Layer Größe)</a:t>
+            </a:r>
+            <a:endParaRPr lang="de-DE" altLang="en-US"/>
+          </a:p>
+          <a:p>
+            <a:pPr marL="514350" indent="-514350">
+              <a:buAutoNum type="arabicPeriod"/>
+            </a:pPr>
+            <a:endParaRPr lang="de-DE" altLang="en-US"/>
+          </a:p>
+          <a:p>
+            <a:pPr marL="514350" indent="-514350">
+              <a:buAutoNum type="arabicPeriod"/>
+            </a:pPr>
+            <a:r>
+              <a:rPr lang="de-DE" altLang="en-US"/>
+              <a:t>RotationTool (Layer Drehen)</a:t>
+            </a:r>
+            <a:endParaRPr lang="de-DE" altLang="en-US"/>
+          </a:p>
+          <a:p>
+            <a:pPr marL="514350" indent="-514350">
+              <a:buAutoNum type="arabicPeriod"/>
+            </a:pPr>
+            <a:endParaRPr lang="de-DE" altLang="en-US"/>
+          </a:p>
+          <a:p>
+            <a:r>
+              <a:rPr lang="de-DE" altLang="en-US"/>
+              <a:t>Beachte “Layer” nicht “Bild”</a:t>
+            </a:r>
+            <a:endParaRPr lang="de-DE" altLang="en-US"/>
+          </a:p>
+          <a:p>
+            <a:r>
+              <a:rPr lang="de-DE" altLang="en-US"/>
+              <a:t>Kann auch per Links Click aufs bild unter Layer gefunden werden.</a:t>
+            </a:r>
+            <a:endParaRPr lang="de-DE" altLang="en-US"/>
+          </a:p>
+          <a:p>
+            <a:r>
+              <a:rPr lang="de-DE" altLang="en-US"/>
+              <a:t>Bei Links Click Bild Vergrößern wird alles vergrößert</a:t>
+            </a:r>
+            <a:endParaRPr lang="de-DE" altLang="en-US"/>
+          </a:p>
+        </p:txBody>
+      </p:sp>
+      <p:pic>
+        <p:nvPicPr>
+          <p:cNvPr id="8" name="Content Placeholder 7" descr="toolbox"/>
+          <p:cNvPicPr>
+            <a:picLocks noChangeAspect="1"/>
+          </p:cNvPicPr>
+          <p:nvPr>
+            <p:ph sz="half" idx="2"/>
+          </p:nvPr>
+        </p:nvPicPr>
+        <p:blipFill>
+          <a:blip r:embed="rId1"/>
+          <a:stretch>
+            <a:fillRect/>
+          </a:stretch>
+        </p:blipFill>
+        <p:spPr>
+          <a:xfrm>
+            <a:off x="6174740" y="531495"/>
+            <a:ext cx="5845810" cy="2970530"/>
+          </a:xfrm>
+          <a:prstGeom prst="rect">
+            <a:avLst/>
+          </a:prstGeom>
+        </p:spPr>
+      </p:pic>
+      <p:sp>
+        <p:nvSpPr>
+          <p:cNvPr id="10" name="Rectangle 9"/>
+          <p:cNvSpPr/>
+          <p:nvPr/>
+        </p:nvSpPr>
+        <p:spPr>
+          <a:xfrm>
+            <a:off x="8653145" y="968375"/>
+            <a:ext cx="1873885" cy="704215"/>
+          </a:xfrm>
+          <a:prstGeom prst="rect">
+            <a:avLst/>
+          </a:prstGeom>
+          <a:noFill/>
+          <a:ln w="76200" cap="flat" cmpd="sng" algn="ctr">
+            <a:solidFill>
+              <a:srgbClr val="FF0000"/>
+            </a:solidFill>
+            <a:prstDash val="solid"/>
+            <a:round/>
+            <a:headEnd type="none" w="med" len="med"/>
+            <a:tailEnd type="none" w="med" len="med"/>
+          </a:ln>
+          <a:extLst>
+            <a:ext uri="{909E8E84-426E-40DD-AFC4-6F175D3DCCD1}">
+              <a14:hiddenFill xmlns:a14="http://schemas.microsoft.com/office/drawing/2010/main">
+                <a:solidFill>
+                  <a:schemeClr val="accent2"/>
+                </a:solidFill>
+              </a14:hiddenFill>
+            </a:ext>
+          </a:extLst>
+        </p:spPr>
+        <p:txBody>
+          <a:bodyPr vert="horz" wrap="none" lIns="91440" tIns="45720" rIns="91440" bIns="45720" numCol="1" anchor="ctr" anchorCtr="0" compatLnSpc="1"/>
+          <a:p>
+            <a:pPr marL="0" marR="0" indent="0" algn="l" defTabSz="914400" rtl="0" eaLnBrk="1" fontAlgn="base" latinLnBrk="0" hangingPunct="1">
+              <a:lnSpc>
+                <a:spcPct val="100000"/>
+              </a:lnSpc>
+              <a:spcBef>
+                <a:spcPct val="0"/>
+              </a:spcBef>
+              <a:spcAft>
+                <a:spcPct val="0"/>
+              </a:spcAft>
+              <a:buClrTx/>
+              <a:buSzTx/>
+              <a:buFontTx/>
+              <a:buNone/>
+            </a:pPr>
+            <a:endParaRPr kumimoji="0" lang="zh-CN" altLang="en-US" sz="1800" b="0" i="0" u="none" strike="noStrike" cap="none" normalizeH="0" baseline="0" smtClean="0">
+              <a:ln>
+                <a:noFill/>
+              </a:ln>
+              <a:solidFill>
+                <a:schemeClr val="tx1"/>
+              </a:solidFill>
+              <a:effectLst/>
+              <a:latin typeface="Arial" panose="020B0604020202020204" pitchFamily="34" charset="0"/>
+              <a:ea typeface="SimSun" panose="02010600030101010101" pitchFamily="2" charset="-122"/>
+            </a:endParaRPr>
+          </a:p>
+        </p:txBody>
+      </p:sp>
+      <p:sp>
+        <p:nvSpPr>
+          <p:cNvPr id="11" name="Rectangle 10"/>
+          <p:cNvSpPr/>
+          <p:nvPr/>
+        </p:nvSpPr>
+        <p:spPr>
+          <a:xfrm>
+            <a:off x="8653145" y="1339215"/>
+            <a:ext cx="527685" cy="1198880"/>
+          </a:xfrm>
+          <a:prstGeom prst="rect">
+            <a:avLst/>
+          </a:prstGeom>
+          <a:noFill/>
+          <a:ln>
+            <a:noFill/>
+          </a:ln>
+        </p:spPr>
+        <p:txBody>
+          <a:bodyPr wrap="square" rtlCol="0" anchor="t">
+            <a:spAutoFit/>
+          </a:bodyPr>
+          <a:p>
+            <a:pPr algn="ctr"/>
+            <a:r>
+              <a:rPr lang="de-DE" altLang="en-US" sz="7200" b="1">
+                <a:solidFill>
+                  <a:schemeClr val="bg1"/>
+                </a:solidFill>
+                <a:effectLst>
+                  <a:outerShdw blurRad="38100" dist="19050" dir="2700000" algn="tl" rotWithShape="0">
+                    <a:schemeClr val="dk1">
+                      <a:alpha val="40000"/>
+                    </a:schemeClr>
+                  </a:outerShdw>
+                </a:effectLst>
+              </a:rPr>
+              <a:t>1</a:t>
+            </a:r>
+            <a:endParaRPr lang="de-DE" altLang="en-US" sz="7200" b="1">
+              <a:solidFill>
+                <a:schemeClr val="bg1"/>
+              </a:solidFill>
+              <a:effectLst>
+                <a:outerShdw blurRad="38100" dist="19050" dir="2700000" algn="tl" rotWithShape="0">
+                  <a:schemeClr val="dk1">
+                    <a:alpha val="40000"/>
+                  </a:schemeClr>
+                </a:outerShdw>
+              </a:effectLst>
+            </a:endParaRPr>
+          </a:p>
+        </p:txBody>
+      </p:sp>
+      <p:sp>
+        <p:nvSpPr>
+          <p:cNvPr id="12" name="Rectangle 11"/>
+          <p:cNvSpPr/>
+          <p:nvPr/>
+        </p:nvSpPr>
+        <p:spPr>
+          <a:xfrm>
+            <a:off x="9363075" y="1339215"/>
+            <a:ext cx="527685" cy="1198880"/>
+          </a:xfrm>
+          <a:prstGeom prst="rect">
+            <a:avLst/>
+          </a:prstGeom>
+          <a:noFill/>
+          <a:ln>
+            <a:noFill/>
+          </a:ln>
+        </p:spPr>
+        <p:txBody>
+          <a:bodyPr wrap="square" rtlCol="0" anchor="t">
+            <a:spAutoFit/>
+          </a:bodyPr>
+          <a:p>
+            <a:pPr algn="ctr"/>
+            <a:r>
+              <a:rPr lang="de-DE" altLang="en-US" sz="7200" b="1">
+                <a:solidFill>
+                  <a:schemeClr val="bg1"/>
+                </a:solidFill>
+                <a:effectLst>
+                  <a:outerShdw blurRad="38100" dist="19050" dir="2700000" algn="tl" rotWithShape="0">
+                    <a:schemeClr val="dk1">
+                      <a:alpha val="40000"/>
+                    </a:schemeClr>
+                  </a:outerShdw>
+                </a:effectLst>
+              </a:rPr>
+              <a:t>2</a:t>
+            </a:r>
+            <a:endParaRPr lang="de-DE" altLang="en-US" sz="7200" b="1">
+              <a:solidFill>
+                <a:schemeClr val="bg1"/>
+              </a:solidFill>
+              <a:effectLst>
+                <a:outerShdw blurRad="38100" dist="19050" dir="2700000" algn="tl" rotWithShape="0">
+                  <a:schemeClr val="dk1">
+                    <a:alpha val="40000"/>
+                  </a:schemeClr>
+                </a:outerShdw>
+              </a:effectLst>
+            </a:endParaRPr>
+          </a:p>
+        </p:txBody>
+      </p:sp>
+      <p:sp>
+        <p:nvSpPr>
+          <p:cNvPr id="13" name="Rectangle 12"/>
+          <p:cNvSpPr/>
+          <p:nvPr/>
+        </p:nvSpPr>
+        <p:spPr>
+          <a:xfrm>
+            <a:off x="10094595" y="1339215"/>
+            <a:ext cx="527685" cy="1198880"/>
+          </a:xfrm>
+          <a:prstGeom prst="rect">
+            <a:avLst/>
+          </a:prstGeom>
+          <a:noFill/>
+          <a:ln>
+            <a:noFill/>
+          </a:ln>
+        </p:spPr>
+        <p:txBody>
+          <a:bodyPr wrap="square" rtlCol="0" anchor="t">
+            <a:spAutoFit/>
+          </a:bodyPr>
+          <a:p>
+            <a:pPr algn="ctr"/>
+            <a:r>
+              <a:rPr lang="de-DE" altLang="en-US" sz="7200" b="1">
+                <a:solidFill>
+                  <a:schemeClr val="bg1"/>
+                </a:solidFill>
+                <a:effectLst>
+                  <a:outerShdw blurRad="38100" dist="19050" dir="2700000" algn="tl" rotWithShape="0">
+                    <a:schemeClr val="dk1">
+                      <a:alpha val="40000"/>
+                    </a:schemeClr>
+                  </a:outerShdw>
+                </a:effectLst>
+              </a:rPr>
+              <a:t>3</a:t>
+            </a:r>
+            <a:endParaRPr lang="de-DE" altLang="en-US" sz="7200" b="1">
+              <a:solidFill>
+                <a:schemeClr val="bg1"/>
+              </a:solidFill>
+              <a:effectLst>
+                <a:outerShdw blurRad="38100" dist="19050" dir="2700000" algn="tl" rotWithShape="0">
+                  <a:schemeClr val="dk1">
+                    <a:alpha val="40000"/>
+                  </a:schemeClr>
+                </a:outerShdw>
+              </a:effectLst>
+            </a:endParaRPr>
           </a:p>
         </p:txBody>
       </p:sp>
@@ -5265,6 +5517,10 @@
         <p:txBody>
           <a:bodyPr/>
           <a:p>
+            <a:r>
+              <a:rPr lang="en-US"/>
+              <a:t>Aufgabe</a:t>
+            </a:r>
             <a:endParaRPr lang="en-US"/>
           </a:p>
         </p:txBody>
@@ -5283,7 +5539,122 @@
         <p:txBody>
           <a:bodyPr/>
           <a:p>
-            <a:endParaRPr lang="en-US"/>
+            <a:r>
+              <a:rPr lang="en-US"/>
+              <a:t>Den Golfer auf den Mond packen</a:t>
+            </a:r>
+            <a:endParaRPr lang="en-US"/>
+          </a:p>
+          <a:p>
+            <a:endParaRPr lang="en-US"/>
+          </a:p>
+          <a:p>
+            <a:endParaRPr lang="en-US"/>
+          </a:p>
+          <a:p>
+            <a:endParaRPr lang="en-US"/>
+          </a:p>
+          <a:p>
+            <a:endParaRPr lang="en-US"/>
+          </a:p>
+          <a:p>
+            <a:endParaRPr lang="en-US"/>
+          </a:p>
+          <a:p>
+            <a:endParaRPr lang="en-US"/>
+          </a:p>
+          <a:p>
+            <a:r>
+              <a:rPr lang="en-US"/>
+              <a:t>Files befinden sich auf StudIP unter Tutorien(zentrale Materialien) </a:t>
+            </a:r>
+            <a:endParaRPr lang="en-US"/>
+          </a:p>
+        </p:txBody>
+      </p:sp>
+      <p:pic>
+        <p:nvPicPr>
+          <p:cNvPr id="5" name="Picture 4" descr="gimp3"/>
+          <p:cNvPicPr>
+            <a:picLocks noChangeAspect="1"/>
+          </p:cNvPicPr>
+          <p:nvPr/>
+        </p:nvPicPr>
+        <p:blipFill>
+          <a:blip r:embed="rId1"/>
+          <a:stretch>
+            <a:fillRect/>
+          </a:stretch>
+        </p:blipFill>
+        <p:spPr>
+          <a:xfrm>
+            <a:off x="3996690" y="1683385"/>
+            <a:ext cx="4198620" cy="3491230"/>
+          </a:xfrm>
+          <a:prstGeom prst="rect">
+            <a:avLst/>
+          </a:prstGeom>
+        </p:spPr>
+      </p:pic>
+    </p:spTree>
+  </p:cSld>
+  <p:clrMapOvr>
+    <a:masterClrMapping/>
+  </p:clrMapOvr>
+</p:sld>
+</file>
+
+<file path=ppt/slides/slide9.xml><?xml version="1.0" encoding="utf-8"?>
+<p:sld xmlns:a="http://schemas.openxmlformats.org/drawingml/2006/main" xmlns:r="http://schemas.openxmlformats.org/officeDocument/2006/relationships" xmlns:p="http://schemas.openxmlformats.org/presentationml/2006/main">
+  <p:cSld>
+    <p:spTree>
+      <p:nvGrpSpPr>
+        <p:cNvPr id="1" name=""/>
+        <p:cNvGrpSpPr/>
+        <p:nvPr/>
+      </p:nvGrpSpPr>
+      <p:grpSpPr/>
+      <p:sp>
+        <p:nvSpPr>
+          <p:cNvPr id="5" name="Title 4"/>
+          <p:cNvSpPr>
+            <a:spLocks noGrp="1" noChangeArrowheads="1"/>
+          </p:cNvSpPr>
+          <p:nvPr>
+            <p:ph type="ctrTitle"/>
+          </p:nvPr>
+        </p:nvSpPr>
+        <p:spPr/>
+        <p:txBody>
+          <a:bodyPr/>
+          <a:p>
+            <a:r>
+              <a:rPr lang="de-DE" altLang="en-US"/>
+              <a:t>Das Wars</a:t>
+            </a:r>
+            <a:endParaRPr lang="de-DE" altLang="en-US"/>
+          </a:p>
+        </p:txBody>
+      </p:sp>
+      <p:sp>
+        <p:nvSpPr>
+          <p:cNvPr id="6" name="Subtitle 5"/>
+          <p:cNvSpPr>
+            <a:spLocks noGrp="1" noChangeArrowheads="1"/>
+          </p:cNvSpPr>
+          <p:nvPr>
+            <p:ph type="subTitle" idx="1"/>
+          </p:nvPr>
+        </p:nvSpPr>
+        <p:spPr/>
+        <p:txBody>
+          <a:bodyPr/>
+          <a:p>
+            <a:r>
+              <a:rPr lang="de-DE" altLang="en-US"/>
+              <a:t>Bis nächste Woche!</a:t>
+            </a:r>
+            <a:endParaRPr lang="de-DE" altLang="en-US"/>
           </a:p>
         </p:txBody>
       </p:sp>
